--- a/GoodEats.pptx
+++ b/GoodEats.pptx
@@ -4,6 +4,9 @@
   <p:sldMasterIdLst>
     <p:sldMasterId id="2147483862" r:id="rId1"/>
   </p:sldMasterIdLst>
+  <p:notesMasterIdLst>
+    <p:notesMasterId r:id="rId12"/>
+  </p:notesMasterIdLst>
   <p:sldIdLst>
     <p:sldId id="256" r:id="rId2"/>
     <p:sldId id="259" r:id="rId3"/>
@@ -132,8 +135,23 @@
         </p14:section>
       </p14:sectionLst>
     </p:ext>
+    <p:ext uri="{EFAFB233-063F-42B5-8137-9DF3F51BA10A}">
+      <p15:sldGuideLst xmlns:p15="http://schemas.microsoft.com/office/powerpoint/2012/main"/>
+    </p:ext>
   </p:extLst>
 </p:presentation>
+</file>
+
+<file path=ppt/commentAuthors.xml><?xml version="1.0" encoding="utf-8"?>
+<p:cmAuthorLst xmlns:a="http://schemas.openxmlformats.org/drawingml/2006/main" xmlns:r="http://schemas.openxmlformats.org/officeDocument/2006/relationships" xmlns:p="http://schemas.openxmlformats.org/presentationml/2006/main">
+  <p:cmAuthor id="1" name="Catie Rodriguez" initials="CR" lastIdx="1" clrIdx="0">
+    <p:extLst>
+      <p:ext uri="{19B8F6BF-5375-455C-9EA6-DF929625EA0E}">
+        <p15:presenceInfo xmlns:p15="http://schemas.microsoft.com/office/powerpoint/2012/main" userId="0c4153612dabc396" providerId="Windows Live"/>
+      </p:ext>
+    </p:extLst>
+  </p:cmAuthor>
+</p:cmAuthorLst>
 </file>
 
 <file path=ppt/charts/chart1.xml><?xml version="1.0" encoding="utf-8"?>
@@ -1347,16 +1365,13 @@
           </a:p>
           <a:p>
             <a:pPr>
-              <a:defRPr sz="2000" b="0" i="0" u="none" strike="noStrike" kern="1200" spc="0" baseline="0">
+              <a:defRPr sz="2000" b="0" spc="0">
                 <a:solidFill>
                   <a:schemeClr val="tx1">
                     <a:lumMod val="65000"/>
                     <a:lumOff val="35000"/>
                   </a:schemeClr>
                 </a:solidFill>
-                <a:latin typeface="+mn-lt"/>
-                <a:ea typeface="+mn-ea"/>
-                <a:cs typeface="+mn-cs"/>
               </a:defRPr>
             </a:pPr>
             <a:r>
@@ -3291,7 +3306,7 @@
           <a:lstStyle/>
           <a:p>
             <a:pPr>
-              <a:defRPr sz="1400" b="0" i="0" u="none" strike="noStrike" kern="1200" spc="0" baseline="0">
+              <a:defRPr sz="2000" b="0" i="0" u="none" strike="noStrike" kern="1200" spc="0" baseline="0">
                 <a:solidFill>
                   <a:schemeClr val="tx1">
                     <a:lumMod val="65000"/>
@@ -3304,11 +3319,11 @@
               </a:defRPr>
             </a:pPr>
             <a:r>
-              <a:rPr lang="en-US"/>
+              <a:rPr lang="en-US" sz="2000"/>
               <a:t>Passed</a:t>
             </a:r>
             <a:r>
-              <a:rPr lang="en-US" baseline="0"/>
+              <a:rPr lang="en-US" sz="2000" baseline="0"/>
               <a:t> vs Failed Inspections</a:t>
             </a:r>
           </a:p>
@@ -3327,7 +3342,7 @@
         <a:lstStyle/>
         <a:p>
           <a:pPr>
-            <a:defRPr sz="1400" b="0" i="0" u="none" strike="noStrike" kern="1200" spc="0" baseline="0">
+            <a:defRPr sz="2000" b="0" i="0" u="none" strike="noStrike" kern="1200" spc="0" baseline="0">
               <a:solidFill>
                 <a:schemeClr val="tx1">
                   <a:lumMod val="65000"/>
@@ -3671,20 +3686,6 @@
         </c:scaling>
         <c:delete val="0"/>
         <c:axPos val="l"/>
-        <c:majorGridlines>
-          <c:spPr>
-            <a:ln w="9525" cap="flat" cmpd="sng" algn="ctr">
-              <a:solidFill>
-                <a:schemeClr val="tx1">
-                  <a:lumMod val="15000"/>
-                  <a:lumOff val="85000"/>
-                </a:schemeClr>
-              </a:solidFill>
-              <a:round/>
-            </a:ln>
-            <a:effectLst/>
-          </c:spPr>
-        </c:majorGridlines>
         <c:numFmt formatCode="General" sourceLinked="1"/>
         <c:majorTickMark val="none"/>
         <c:minorTickMark val="none"/>
@@ -3807,8 +3808,8 @@
     </mc:Fallback>
   </mc:AlternateContent>
   <c:pivotSource>
-    <c:name>[Analysis.xlsx]Sheet8!PivotTable9</c:name>
-    <c:fmtId val="5"/>
+    <c:name>[Analysis.xlsx]Performance2!PivotTable9</c:name>
+    <c:fmtId val="12"/>
   </c:pivotSource>
   <c:chart>
     <c:title>
@@ -3832,8 +3833,13 @@
             </a:pPr>
             <a:r>
               <a:rPr lang="en-US" sz="2000" dirty="0"/>
-              <a:t>Passed vs Failed Inspections by Year</a:t>
+              <a:t>Passed</a:t>
             </a:r>
+            <a:r>
+              <a:rPr lang="en-US" sz="2000" baseline="0" dirty="0"/>
+              <a:t> vs Failed Inspections by Year</a:t>
+            </a:r>
+            <a:endParaRPr lang="en-US" sz="2000" dirty="0"/>
           </a:p>
         </c:rich>
       </c:tx>
@@ -3874,11 +3880,8 @@
           <a:solidFill>
             <a:schemeClr val="accent1"/>
           </a:solidFill>
-          <a:ln w="28575" cap="rnd">
-            <a:solidFill>
-              <a:schemeClr val="accent1"/>
-            </a:solidFill>
-            <a:round/>
+          <a:ln>
+            <a:noFill/>
           </a:ln>
           <a:effectLst/>
         </c:spPr>
@@ -3945,11 +3948,8 @@
           <a:solidFill>
             <a:schemeClr val="accent1"/>
           </a:solidFill>
-          <a:ln w="28575" cap="rnd">
-            <a:solidFill>
-              <a:schemeClr val="accent1"/>
-            </a:solidFill>
-            <a:round/>
+          <a:ln>
+            <a:noFill/>
           </a:ln>
           <a:effectLst/>
         </c:spPr>
@@ -3958,11 +3958,11 @@
           <c:size val="5"/>
           <c:spPr>
             <a:solidFill>
-              <a:schemeClr val="accent2"/>
+              <a:schemeClr val="accent1"/>
             </a:solidFill>
             <a:ln w="9525">
               <a:solidFill>
-                <a:schemeClr val="accent2"/>
+                <a:schemeClr val="accent1"/>
               </a:solidFill>
             </a:ln>
             <a:effectLst/>
@@ -4016,11 +4016,8 @@
           <a:solidFill>
             <a:schemeClr val="accent1"/>
           </a:solidFill>
-          <a:ln w="28575" cap="rnd">
-            <a:solidFill>
-              <a:schemeClr val="accent1"/>
-            </a:solidFill>
-            <a:round/>
+          <a:ln>
+            <a:noFill/>
           </a:ln>
           <a:effectLst/>
         </c:spPr>
@@ -4087,11 +4084,8 @@
           <a:solidFill>
             <a:schemeClr val="accent1"/>
           </a:solidFill>
-          <a:ln w="28575" cap="rnd">
-            <a:solidFill>
-              <a:schemeClr val="accent1"/>
-            </a:solidFill>
-            <a:round/>
+          <a:ln>
+            <a:noFill/>
           </a:ln>
           <a:effectLst/>
         </c:spPr>
@@ -4100,11 +4094,11 @@
           <c:size val="5"/>
           <c:spPr>
             <a:solidFill>
-              <a:schemeClr val="accent2"/>
+              <a:schemeClr val="accent1"/>
             </a:solidFill>
             <a:ln w="9525">
               <a:solidFill>
-                <a:schemeClr val="accent2"/>
+                <a:schemeClr val="accent1"/>
               </a:solidFill>
             </a:ln>
             <a:effectLst/>
@@ -4158,11 +4152,8 @@
           <a:solidFill>
             <a:schemeClr val="accent1"/>
           </a:solidFill>
-          <a:ln w="28575" cap="rnd">
-            <a:solidFill>
-              <a:schemeClr val="accent1"/>
-            </a:solidFill>
-            <a:round/>
+          <a:ln>
+            <a:noFill/>
           </a:ln>
           <a:effectLst/>
         </c:spPr>
@@ -4229,11 +4220,8 @@
           <a:solidFill>
             <a:schemeClr val="accent1"/>
           </a:solidFill>
-          <a:ln w="28575" cap="rnd">
-            <a:solidFill>
-              <a:schemeClr val="accent1"/>
-            </a:solidFill>
-            <a:round/>
+          <a:ln>
+            <a:noFill/>
           </a:ln>
           <a:effectLst/>
         </c:spPr>
@@ -4242,11 +4230,11 @@
           <c:size val="5"/>
           <c:spPr>
             <a:solidFill>
-              <a:schemeClr val="accent2"/>
+              <a:schemeClr val="accent1"/>
             </a:solidFill>
             <a:ln w="9525">
               <a:solidFill>
-                <a:schemeClr val="accent2"/>
+                <a:schemeClr val="accent1"/>
               </a:solidFill>
             </a:ln>
             <a:effectLst/>
@@ -4305,7 +4293,7 @@
           <c:order val="0"/>
           <c:tx>
             <c:strRef>
-              <c:f>Sheet8!$I$3:$I$4</c:f>
+              <c:f>Performance2!$I$3:$I$4</c:f>
               <c:strCache>
                 <c:ptCount val="1"/>
                 <c:pt idx="0">
@@ -4340,7 +4328,7 @@
           </c:marker>
           <c:cat>
             <c:strRef>
-              <c:f>Sheet8!$H$5:$H$12</c:f>
+              <c:f>Performance2!$H$5:$H$12</c:f>
               <c:strCache>
                 <c:ptCount val="7"/>
                 <c:pt idx="0">
@@ -4369,30 +4357,30 @@
           </c:cat>
           <c:val>
             <c:numRef>
-              <c:f>Sheet8!$I$5:$I$12</c:f>
+              <c:f>Performance2!$I$5:$I$12</c:f>
               <c:numCache>
                 <c:formatCode>General</c:formatCode>
                 <c:ptCount val="7"/>
                 <c:pt idx="0">
-                  <c:v>107322927</c:v>
+                  <c:v>2935</c:v>
                 </c:pt>
                 <c:pt idx="1">
-                  <c:v>113252216</c:v>
+                  <c:v>2709</c:v>
                 </c:pt>
                 <c:pt idx="2">
-                  <c:v>137820980</c:v>
+                  <c:v>2952</c:v>
                 </c:pt>
                 <c:pt idx="3">
-                  <c:v>180942396</c:v>
+                  <c:v>3156</c:v>
                 </c:pt>
                 <c:pt idx="4">
-                  <c:v>231609024</c:v>
+                  <c:v>3517</c:v>
                 </c:pt>
                 <c:pt idx="5">
-                  <c:v>245494331</c:v>
+                  <c:v>2843</c:v>
                 </c:pt>
                 <c:pt idx="6">
-                  <c:v>230134302</c:v>
+                  <c:v>2199</c:v>
                 </c:pt>
               </c:numCache>
             </c:numRef>
@@ -4400,7 +4388,7 @@
           <c:smooth val="0"/>
           <c:extLst>
             <c:ext xmlns:c16="http://schemas.microsoft.com/office/drawing/2014/chart" uri="{C3380CC4-5D6E-409C-BE32-E72D297353CC}">
-              <c16:uniqueId val="{00000000-7B8C-A64A-9801-1C764B9EFCD7}"/>
+              <c16:uniqueId val="{00000000-5598-5749-9147-D2BAAD996BB5}"/>
             </c:ext>
           </c:extLst>
         </c:ser>
@@ -4409,7 +4397,7 @@
           <c:order val="1"/>
           <c:tx>
             <c:strRef>
-              <c:f>Sheet8!$J$3:$J$4</c:f>
+              <c:f>Performance2!$J$3:$J$4</c:f>
               <c:strCache>
                 <c:ptCount val="1"/>
                 <c:pt idx="0">
@@ -4444,7 +4432,7 @@
           </c:marker>
           <c:cat>
             <c:strRef>
-              <c:f>Sheet8!$H$5:$H$12</c:f>
+              <c:f>Performance2!$H$5:$H$12</c:f>
               <c:strCache>
                 <c:ptCount val="7"/>
                 <c:pt idx="0">
@@ -4473,30 +4461,30 @@
           </c:cat>
           <c:val>
             <c:numRef>
-              <c:f>Sheet8!$J$5:$J$12</c:f>
+              <c:f>Performance2!$J$5:$J$12</c:f>
               <c:numCache>
                 <c:formatCode>General</c:formatCode>
                 <c:ptCount val="7"/>
                 <c:pt idx="0">
-                  <c:v>167518146</c:v>
+                  <c:v>4502</c:v>
                 </c:pt>
                 <c:pt idx="1">
-                  <c:v>187091633</c:v>
+                  <c:v>4428</c:v>
                 </c:pt>
                 <c:pt idx="2">
-                  <c:v>211331151</c:v>
+                  <c:v>4272</c:v>
                 </c:pt>
                 <c:pt idx="3">
-                  <c:v>253974479</c:v>
+                  <c:v>4408</c:v>
                 </c:pt>
                 <c:pt idx="4">
-                  <c:v>318811880</c:v>
+                  <c:v>4541</c:v>
                 </c:pt>
                 <c:pt idx="5">
-                  <c:v>419756013</c:v>
+                  <c:v>4605</c:v>
                 </c:pt>
                 <c:pt idx="6">
-                  <c:v>318240717</c:v>
+                  <c:v>3005</c:v>
                 </c:pt>
               </c:numCache>
             </c:numRef>
@@ -4504,7 +4492,7 @@
           <c:smooth val="0"/>
           <c:extLst>
             <c:ext xmlns:c16="http://schemas.microsoft.com/office/drawing/2014/chart" uri="{C3380CC4-5D6E-409C-BE32-E72D297353CC}">
-              <c16:uniqueId val="{00000001-7B8C-A64A-9801-1C764B9EFCD7}"/>
+              <c16:uniqueId val="{00000001-5598-5749-9147-D2BAAD996BB5}"/>
             </c:ext>
           </c:extLst>
         </c:ser>
@@ -4550,7 +4538,7 @@
           <a:lstStyle/>
           <a:p>
             <a:pPr>
-              <a:defRPr sz="1600" b="0" i="0" u="none" strike="noStrike" kern="1200" baseline="0">
+              <a:defRPr sz="1800" b="0" i="0" u="none" strike="noStrike" kern="1200" baseline="0">
                 <a:solidFill>
                   <a:schemeClr val="tx1">
                     <a:lumMod val="65000"/>
@@ -4579,6 +4567,20 @@
         </c:scaling>
         <c:delete val="0"/>
         <c:axPos val="l"/>
+        <c:majorGridlines>
+          <c:spPr>
+            <a:ln w="9525" cap="flat" cmpd="sng" algn="ctr">
+              <a:solidFill>
+                <a:schemeClr val="tx1">
+                  <a:lumMod val="15000"/>
+                  <a:lumOff val="85000"/>
+                </a:schemeClr>
+              </a:solidFill>
+              <a:round/>
+            </a:ln>
+            <a:effectLst/>
+          </c:spPr>
+        </c:majorGridlines>
         <c:numFmt formatCode="General" sourceLinked="1"/>
         <c:majorTickMark val="none"/>
         <c:minorTickMark val="none"/>
@@ -4595,7 +4597,7 @@
           <a:lstStyle/>
           <a:p>
             <a:pPr>
-              <a:defRPr sz="1100" b="0" i="0" u="none" strike="noStrike" kern="1200" baseline="0">
+              <a:defRPr sz="1200" b="0" i="0" u="none" strike="noStrike" kern="1200" baseline="0">
                 <a:solidFill>
                   <a:schemeClr val="tx1">
                     <a:lumMod val="65000"/>
@@ -4616,7 +4618,7 @@
       </c:valAx>
       <c:spPr>
         <a:noFill/>
-        <a:ln w="25400">
+        <a:ln>
           <a:noFill/>
         </a:ln>
         <a:effectLst/>
@@ -4637,7 +4639,7 @@
         <a:lstStyle/>
         <a:p>
           <a:pPr>
-            <a:defRPr sz="1400" b="0" i="0" u="none" strike="noStrike" kern="1200" baseline="0">
+            <a:defRPr sz="1800" b="0" i="0" u="none" strike="noStrike" kern="1200" baseline="0">
               <a:solidFill>
                 <a:schemeClr val="tx1">
                   <a:lumMod val="65000"/>
@@ -9702,7 +9704,7 @@
   <dgm:whole/>
   <dgm:extLst>
     <a:ext uri="http://schemas.microsoft.com/office/drawing/2008/diagram">
-      <dsp:dataModelExt xmlns:dsp="http://schemas.microsoft.com/office/drawing/2008/diagram" relId="rId6" minVer="http://schemas.openxmlformats.org/drawingml/2006/diagram"/>
+      <dsp:dataModelExt xmlns:dsp="http://schemas.microsoft.com/office/drawing/2008/diagram" relId="rId7" minVer="http://schemas.openxmlformats.org/drawingml/2006/diagram"/>
     </a:ext>
   </dgm:extLst>
 </dgm:dataModel>
@@ -11524,6 +11526,1103 @@
 </dgm:styleDef>
 </file>
 
+<file path=ppt/notesMasters/notesMaster1.xml><?xml version="1.0" encoding="utf-8"?>
+<p:notesMaster xmlns:a="http://schemas.openxmlformats.org/drawingml/2006/main" xmlns:r="http://schemas.openxmlformats.org/officeDocument/2006/relationships" xmlns:p="http://schemas.openxmlformats.org/presentationml/2006/main">
+  <p:cSld>
+    <p:bg>
+      <p:bgRef idx="1001">
+        <a:schemeClr val="bg1"/>
+      </p:bgRef>
+    </p:bg>
+    <p:spTree>
+      <p:nvGrpSpPr>
+        <p:cNvPr id="1" name=""/>
+        <p:cNvGrpSpPr/>
+        <p:nvPr/>
+      </p:nvGrpSpPr>
+      <p:grpSpPr>
+        <a:xfrm>
+          <a:off x="0" y="0"/>
+          <a:ext cx="0" cy="0"/>
+          <a:chOff x="0" y="0"/>
+          <a:chExt cx="0" cy="0"/>
+        </a:xfrm>
+      </p:grpSpPr>
+      <p:sp>
+        <p:nvSpPr>
+          <p:cNvPr id="2" name="Header Placeholder 1"/>
+          <p:cNvSpPr>
+            <a:spLocks noGrp="1"/>
+          </p:cNvSpPr>
+          <p:nvPr>
+            <p:ph type="hdr" sz="quarter"/>
+          </p:nvPr>
+        </p:nvSpPr>
+        <p:spPr>
+          <a:xfrm>
+            <a:off x="0" y="0"/>
+            <a:ext cx="2971800" cy="458788"/>
+          </a:xfrm>
+          <a:prstGeom prst="rect">
+            <a:avLst/>
+          </a:prstGeom>
+        </p:spPr>
+        <p:txBody>
+          <a:bodyPr vert="horz" lIns="91440" tIns="45720" rIns="91440" bIns="45720" rtlCol="0"/>
+          <a:lstStyle>
+            <a:lvl1pPr algn="l">
+              <a:defRPr sz="1200"/>
+            </a:lvl1pPr>
+          </a:lstStyle>
+          <a:p>
+            <a:endParaRPr lang="en-US"/>
+          </a:p>
+        </p:txBody>
+      </p:sp>
+      <p:sp>
+        <p:nvSpPr>
+          <p:cNvPr id="3" name="Date Placeholder 2"/>
+          <p:cNvSpPr>
+            <a:spLocks noGrp="1"/>
+          </p:cNvSpPr>
+          <p:nvPr>
+            <p:ph type="dt" idx="1"/>
+          </p:nvPr>
+        </p:nvSpPr>
+        <p:spPr>
+          <a:xfrm>
+            <a:off x="3884613" y="0"/>
+            <a:ext cx="2971800" cy="458788"/>
+          </a:xfrm>
+          <a:prstGeom prst="rect">
+            <a:avLst/>
+          </a:prstGeom>
+        </p:spPr>
+        <p:txBody>
+          <a:bodyPr vert="horz" lIns="91440" tIns="45720" rIns="91440" bIns="45720" rtlCol="0"/>
+          <a:lstStyle>
+            <a:lvl1pPr algn="r">
+              <a:defRPr sz="1200"/>
+            </a:lvl1pPr>
+          </a:lstStyle>
+          <a:p>
+            <a:fld id="{FF76E8FF-3F48-744E-9639-8853641DA25A}" type="datetimeFigureOut">
+              <a:rPr lang="en-US" smtClean="0"/>
+              <a:t>4/6/20</a:t>
+            </a:fld>
+            <a:endParaRPr lang="en-US"/>
+          </a:p>
+        </p:txBody>
+      </p:sp>
+      <p:sp>
+        <p:nvSpPr>
+          <p:cNvPr id="4" name="Slide Image Placeholder 3"/>
+          <p:cNvSpPr>
+            <a:spLocks noGrp="1" noRot="1" noChangeAspect="1"/>
+          </p:cNvSpPr>
+          <p:nvPr>
+            <p:ph type="sldImg" idx="2"/>
+          </p:nvPr>
+        </p:nvSpPr>
+        <p:spPr>
+          <a:xfrm>
+            <a:off x="685800" y="1143000"/>
+            <a:ext cx="5486400" cy="3086100"/>
+          </a:xfrm>
+          <a:prstGeom prst="rect">
+            <a:avLst/>
+          </a:prstGeom>
+          <a:noFill/>
+          <a:ln w="12700">
+            <a:solidFill>
+              <a:prstClr val="black"/>
+            </a:solidFill>
+          </a:ln>
+        </p:spPr>
+        <p:txBody>
+          <a:bodyPr vert="horz" lIns="91440" tIns="45720" rIns="91440" bIns="45720" rtlCol="0" anchor="ctr"/>
+          <a:lstStyle/>
+          <a:p>
+            <a:endParaRPr lang="en-US"/>
+          </a:p>
+        </p:txBody>
+      </p:sp>
+      <p:sp>
+        <p:nvSpPr>
+          <p:cNvPr id="5" name="Notes Placeholder 4"/>
+          <p:cNvSpPr>
+            <a:spLocks noGrp="1"/>
+          </p:cNvSpPr>
+          <p:nvPr>
+            <p:ph type="body" sz="quarter" idx="3"/>
+          </p:nvPr>
+        </p:nvSpPr>
+        <p:spPr>
+          <a:xfrm>
+            <a:off x="685800" y="4400550"/>
+            <a:ext cx="5486400" cy="3600450"/>
+          </a:xfrm>
+          <a:prstGeom prst="rect">
+            <a:avLst/>
+          </a:prstGeom>
+        </p:spPr>
+        <p:txBody>
+          <a:bodyPr vert="horz" lIns="91440" tIns="45720" rIns="91440" bIns="45720" rtlCol="0"/>
+          <a:lstStyle/>
+          <a:p>
+            <a:pPr lvl="0"/>
+            <a:r>
+              <a:rPr lang="en-US"/>
+              <a:t>Click to edit Master text styles</a:t>
+            </a:r>
+          </a:p>
+          <a:p>
+            <a:pPr lvl="1"/>
+            <a:r>
+              <a:rPr lang="en-US"/>
+              <a:t>Second level</a:t>
+            </a:r>
+          </a:p>
+          <a:p>
+            <a:pPr lvl="2"/>
+            <a:r>
+              <a:rPr lang="en-US"/>
+              <a:t>Third level</a:t>
+            </a:r>
+          </a:p>
+          <a:p>
+            <a:pPr lvl="3"/>
+            <a:r>
+              <a:rPr lang="en-US"/>
+              <a:t>Fourth level</a:t>
+            </a:r>
+          </a:p>
+          <a:p>
+            <a:pPr lvl="4"/>
+            <a:r>
+              <a:rPr lang="en-US"/>
+              <a:t>Fifth level</a:t>
+            </a:r>
+          </a:p>
+        </p:txBody>
+      </p:sp>
+      <p:sp>
+        <p:nvSpPr>
+          <p:cNvPr id="6" name="Footer Placeholder 5"/>
+          <p:cNvSpPr>
+            <a:spLocks noGrp="1"/>
+          </p:cNvSpPr>
+          <p:nvPr>
+            <p:ph type="ftr" sz="quarter" idx="4"/>
+          </p:nvPr>
+        </p:nvSpPr>
+        <p:spPr>
+          <a:xfrm>
+            <a:off x="0" y="8685213"/>
+            <a:ext cx="2971800" cy="458787"/>
+          </a:xfrm>
+          <a:prstGeom prst="rect">
+            <a:avLst/>
+          </a:prstGeom>
+        </p:spPr>
+        <p:txBody>
+          <a:bodyPr vert="horz" lIns="91440" tIns="45720" rIns="91440" bIns="45720" rtlCol="0" anchor="b"/>
+          <a:lstStyle>
+            <a:lvl1pPr algn="l">
+              <a:defRPr sz="1200"/>
+            </a:lvl1pPr>
+          </a:lstStyle>
+          <a:p>
+            <a:endParaRPr lang="en-US"/>
+          </a:p>
+        </p:txBody>
+      </p:sp>
+      <p:sp>
+        <p:nvSpPr>
+          <p:cNvPr id="7" name="Slide Number Placeholder 6"/>
+          <p:cNvSpPr>
+            <a:spLocks noGrp="1"/>
+          </p:cNvSpPr>
+          <p:nvPr>
+            <p:ph type="sldNum" sz="quarter" idx="5"/>
+          </p:nvPr>
+        </p:nvSpPr>
+        <p:spPr>
+          <a:xfrm>
+            <a:off x="3884613" y="8685213"/>
+            <a:ext cx="2971800" cy="458787"/>
+          </a:xfrm>
+          <a:prstGeom prst="rect">
+            <a:avLst/>
+          </a:prstGeom>
+        </p:spPr>
+        <p:txBody>
+          <a:bodyPr vert="horz" lIns="91440" tIns="45720" rIns="91440" bIns="45720" rtlCol="0" anchor="b"/>
+          <a:lstStyle>
+            <a:lvl1pPr algn="r">
+              <a:defRPr sz="1200"/>
+            </a:lvl1pPr>
+          </a:lstStyle>
+          <a:p>
+            <a:fld id="{2B67A524-1EB1-B647-B763-6BA33EAFC8C9}" type="slidenum">
+              <a:rPr lang="en-US" smtClean="0"/>
+              <a:t>‹#›</a:t>
+            </a:fld>
+            <a:endParaRPr lang="en-US"/>
+          </a:p>
+        </p:txBody>
+      </p:sp>
+    </p:spTree>
+    <p:extLst>
+      <p:ext uri="{BB962C8B-B14F-4D97-AF65-F5344CB8AC3E}">
+        <p14:creationId xmlns:p14="http://schemas.microsoft.com/office/powerpoint/2010/main" val="965222522"/>
+      </p:ext>
+    </p:extLst>
+  </p:cSld>
+  <p:clrMap bg1="lt1" tx1="dk1" bg2="lt2" tx2="dk2" accent1="accent1" accent2="accent2" accent3="accent3" accent4="accent4" accent5="accent5" accent6="accent6" hlink="hlink" folHlink="folHlink"/>
+  <p:notesStyle>
+    <a:lvl1pPr marL="0" algn="l" defTabSz="914400" rtl="0" eaLnBrk="1" latinLnBrk="0" hangingPunct="1">
+      <a:defRPr sz="1200" kern="1200">
+        <a:solidFill>
+          <a:schemeClr val="tx1"/>
+        </a:solidFill>
+        <a:latin typeface="+mn-lt"/>
+        <a:ea typeface="+mn-ea"/>
+        <a:cs typeface="+mn-cs"/>
+      </a:defRPr>
+    </a:lvl1pPr>
+    <a:lvl2pPr marL="457200" algn="l" defTabSz="914400" rtl="0" eaLnBrk="1" latinLnBrk="0" hangingPunct="1">
+      <a:defRPr sz="1200" kern="1200">
+        <a:solidFill>
+          <a:schemeClr val="tx1"/>
+        </a:solidFill>
+        <a:latin typeface="+mn-lt"/>
+        <a:ea typeface="+mn-ea"/>
+        <a:cs typeface="+mn-cs"/>
+      </a:defRPr>
+    </a:lvl2pPr>
+    <a:lvl3pPr marL="914400" algn="l" defTabSz="914400" rtl="0" eaLnBrk="1" latinLnBrk="0" hangingPunct="1">
+      <a:defRPr sz="1200" kern="1200">
+        <a:solidFill>
+          <a:schemeClr val="tx1"/>
+        </a:solidFill>
+        <a:latin typeface="+mn-lt"/>
+        <a:ea typeface="+mn-ea"/>
+        <a:cs typeface="+mn-cs"/>
+      </a:defRPr>
+    </a:lvl3pPr>
+    <a:lvl4pPr marL="1371600" algn="l" defTabSz="914400" rtl="0" eaLnBrk="1" latinLnBrk="0" hangingPunct="1">
+      <a:defRPr sz="1200" kern="1200">
+        <a:solidFill>
+          <a:schemeClr val="tx1"/>
+        </a:solidFill>
+        <a:latin typeface="+mn-lt"/>
+        <a:ea typeface="+mn-ea"/>
+        <a:cs typeface="+mn-cs"/>
+      </a:defRPr>
+    </a:lvl4pPr>
+    <a:lvl5pPr marL="1828800" algn="l" defTabSz="914400" rtl="0" eaLnBrk="1" latinLnBrk="0" hangingPunct="1">
+      <a:defRPr sz="1200" kern="1200">
+        <a:solidFill>
+          <a:schemeClr val="tx1"/>
+        </a:solidFill>
+        <a:latin typeface="+mn-lt"/>
+        <a:ea typeface="+mn-ea"/>
+        <a:cs typeface="+mn-cs"/>
+      </a:defRPr>
+    </a:lvl5pPr>
+    <a:lvl6pPr marL="2286000" algn="l" defTabSz="914400" rtl="0" eaLnBrk="1" latinLnBrk="0" hangingPunct="1">
+      <a:defRPr sz="1200" kern="1200">
+        <a:solidFill>
+          <a:schemeClr val="tx1"/>
+        </a:solidFill>
+        <a:latin typeface="+mn-lt"/>
+        <a:ea typeface="+mn-ea"/>
+        <a:cs typeface="+mn-cs"/>
+      </a:defRPr>
+    </a:lvl6pPr>
+    <a:lvl7pPr marL="2743200" algn="l" defTabSz="914400" rtl="0" eaLnBrk="1" latinLnBrk="0" hangingPunct="1">
+      <a:defRPr sz="1200" kern="1200">
+        <a:solidFill>
+          <a:schemeClr val="tx1"/>
+        </a:solidFill>
+        <a:latin typeface="+mn-lt"/>
+        <a:ea typeface="+mn-ea"/>
+        <a:cs typeface="+mn-cs"/>
+      </a:defRPr>
+    </a:lvl7pPr>
+    <a:lvl8pPr marL="3200400" algn="l" defTabSz="914400" rtl="0" eaLnBrk="1" latinLnBrk="0" hangingPunct="1">
+      <a:defRPr sz="1200" kern="1200">
+        <a:solidFill>
+          <a:schemeClr val="tx1"/>
+        </a:solidFill>
+        <a:latin typeface="+mn-lt"/>
+        <a:ea typeface="+mn-ea"/>
+        <a:cs typeface="+mn-cs"/>
+      </a:defRPr>
+    </a:lvl8pPr>
+    <a:lvl9pPr marL="3657600" algn="l" defTabSz="914400" rtl="0" eaLnBrk="1" latinLnBrk="0" hangingPunct="1">
+      <a:defRPr sz="1200" kern="1200">
+        <a:solidFill>
+          <a:schemeClr val="tx1"/>
+        </a:solidFill>
+        <a:latin typeface="+mn-lt"/>
+        <a:ea typeface="+mn-ea"/>
+        <a:cs typeface="+mn-cs"/>
+      </a:defRPr>
+    </a:lvl9pPr>
+  </p:notesStyle>
+</p:notesMaster>
+</file>
+
+<file path=ppt/notesSlides/notesSlide1.xml><?xml version="1.0" encoding="utf-8"?>
+<p:notes xmlns:a="http://schemas.openxmlformats.org/drawingml/2006/main" xmlns:r="http://schemas.openxmlformats.org/officeDocument/2006/relationships" xmlns:p="http://schemas.openxmlformats.org/presentationml/2006/main">
+  <p:cSld>
+    <p:spTree>
+      <p:nvGrpSpPr>
+        <p:cNvPr id="1" name=""/>
+        <p:cNvGrpSpPr/>
+        <p:nvPr/>
+      </p:nvGrpSpPr>
+      <p:grpSpPr>
+        <a:xfrm>
+          <a:off x="0" y="0"/>
+          <a:ext cx="0" cy="0"/>
+          <a:chOff x="0" y="0"/>
+          <a:chExt cx="0" cy="0"/>
+        </a:xfrm>
+      </p:grpSpPr>
+      <p:sp>
+        <p:nvSpPr>
+          <p:cNvPr id="2" name="Slide Image Placeholder 1"/>
+          <p:cNvSpPr>
+            <a:spLocks noGrp="1" noRot="1" noChangeAspect="1"/>
+          </p:cNvSpPr>
+          <p:nvPr>
+            <p:ph type="sldImg"/>
+          </p:nvPr>
+        </p:nvSpPr>
+        <p:spPr/>
+      </p:sp>
+      <p:sp>
+        <p:nvSpPr>
+          <p:cNvPr id="3" name="Notes Placeholder 2"/>
+          <p:cNvSpPr>
+            <a:spLocks noGrp="1"/>
+          </p:cNvSpPr>
+          <p:nvPr>
+            <p:ph type="body" idx="1"/>
+          </p:nvPr>
+        </p:nvSpPr>
+        <p:spPr/>
+        <p:txBody>
+          <a:bodyPr/>
+          <a:lstStyle/>
+          <a:p>
+            <a:r>
+              <a:rPr lang="en-US" dirty="0"/>
+              <a:t>I chose the first question from the challenge and broke it down into its three parts.</a:t>
+            </a:r>
+          </a:p>
+        </p:txBody>
+      </p:sp>
+      <p:sp>
+        <p:nvSpPr>
+          <p:cNvPr id="4" name="Slide Number Placeholder 3"/>
+          <p:cNvSpPr>
+            <a:spLocks noGrp="1"/>
+          </p:cNvSpPr>
+          <p:nvPr>
+            <p:ph type="sldNum" sz="quarter" idx="5"/>
+          </p:nvPr>
+        </p:nvSpPr>
+        <p:spPr/>
+        <p:txBody>
+          <a:bodyPr/>
+          <a:lstStyle/>
+          <a:p>
+            <a:fld id="{2B67A524-1EB1-B647-B763-6BA33EAFC8C9}" type="slidenum">
+              <a:rPr lang="en-US" smtClean="0"/>
+              <a:t>3</a:t>
+            </a:fld>
+            <a:endParaRPr lang="en-US"/>
+          </a:p>
+        </p:txBody>
+      </p:sp>
+    </p:spTree>
+    <p:extLst>
+      <p:ext uri="{BB962C8B-B14F-4D97-AF65-F5344CB8AC3E}">
+        <p14:creationId xmlns:p14="http://schemas.microsoft.com/office/powerpoint/2010/main" val="2615511709"/>
+      </p:ext>
+    </p:extLst>
+  </p:cSld>
+  <p:clrMapOvr>
+    <a:masterClrMapping/>
+  </p:clrMapOvr>
+</p:notes>
+</file>
+
+<file path=ppt/notesSlides/notesSlide2.xml><?xml version="1.0" encoding="utf-8"?>
+<p:notes xmlns:a="http://schemas.openxmlformats.org/drawingml/2006/main" xmlns:r="http://schemas.openxmlformats.org/officeDocument/2006/relationships" xmlns:p="http://schemas.openxmlformats.org/presentationml/2006/main">
+  <p:cSld>
+    <p:spTree>
+      <p:nvGrpSpPr>
+        <p:cNvPr id="1" name=""/>
+        <p:cNvGrpSpPr/>
+        <p:nvPr/>
+      </p:nvGrpSpPr>
+      <p:grpSpPr>
+        <a:xfrm>
+          <a:off x="0" y="0"/>
+          <a:ext cx="0" cy="0"/>
+          <a:chOff x="0" y="0"/>
+          <a:chExt cx="0" cy="0"/>
+        </a:xfrm>
+      </p:grpSpPr>
+      <p:sp>
+        <p:nvSpPr>
+          <p:cNvPr id="2" name="Slide Image Placeholder 1"/>
+          <p:cNvSpPr>
+            <a:spLocks noGrp="1" noRot="1" noChangeAspect="1"/>
+          </p:cNvSpPr>
+          <p:nvPr>
+            <p:ph type="sldImg"/>
+          </p:nvPr>
+        </p:nvSpPr>
+        <p:spPr/>
+      </p:sp>
+      <p:sp>
+        <p:nvSpPr>
+          <p:cNvPr id="3" name="Notes Placeholder 2"/>
+          <p:cNvSpPr>
+            <a:spLocks noGrp="1"/>
+          </p:cNvSpPr>
+          <p:nvPr>
+            <p:ph type="body" idx="1"/>
+          </p:nvPr>
+        </p:nvSpPr>
+        <p:spPr/>
+        <p:txBody>
+          <a:bodyPr/>
+          <a:lstStyle/>
+          <a:p>
+            <a:r>
+              <a:rPr lang="en-US" dirty="0"/>
+              <a:t>To answer the first part of the question, I decided to define the term ”effective” so I would have something to measure against. I decided that effective in this instance would mean that inspections are timely, accurately recorded, and successfully improving health and safety of food establishments in the city.</a:t>
+            </a:r>
+          </a:p>
+        </p:txBody>
+      </p:sp>
+      <p:sp>
+        <p:nvSpPr>
+          <p:cNvPr id="4" name="Slide Number Placeholder 3"/>
+          <p:cNvSpPr>
+            <a:spLocks noGrp="1"/>
+          </p:cNvSpPr>
+          <p:nvPr>
+            <p:ph type="sldNum" sz="quarter" idx="5"/>
+          </p:nvPr>
+        </p:nvSpPr>
+        <p:spPr/>
+        <p:txBody>
+          <a:bodyPr/>
+          <a:lstStyle/>
+          <a:p>
+            <a:fld id="{2B67A524-1EB1-B647-B763-6BA33EAFC8C9}" type="slidenum">
+              <a:rPr lang="en-US" smtClean="0"/>
+              <a:t>4</a:t>
+            </a:fld>
+            <a:endParaRPr lang="en-US"/>
+          </a:p>
+        </p:txBody>
+      </p:sp>
+    </p:spTree>
+    <p:extLst>
+      <p:ext uri="{BB962C8B-B14F-4D97-AF65-F5344CB8AC3E}">
+        <p14:creationId xmlns:p14="http://schemas.microsoft.com/office/powerpoint/2010/main" val="2510731494"/>
+      </p:ext>
+    </p:extLst>
+  </p:cSld>
+  <p:clrMapOvr>
+    <a:masterClrMapping/>
+  </p:clrMapOvr>
+</p:notes>
+</file>
+
+<file path=ppt/notesSlides/notesSlide3.xml><?xml version="1.0" encoding="utf-8"?>
+<p:notes xmlns:a="http://schemas.openxmlformats.org/drawingml/2006/main" xmlns:r="http://schemas.openxmlformats.org/officeDocument/2006/relationships" xmlns:p="http://schemas.openxmlformats.org/presentationml/2006/main">
+  <p:cSld>
+    <p:spTree>
+      <p:nvGrpSpPr>
+        <p:cNvPr id="1" name=""/>
+        <p:cNvGrpSpPr/>
+        <p:nvPr/>
+      </p:nvGrpSpPr>
+      <p:grpSpPr>
+        <a:xfrm>
+          <a:off x="0" y="0"/>
+          <a:ext cx="0" cy="0"/>
+          <a:chOff x="0" y="0"/>
+          <a:chExt cx="0" cy="0"/>
+        </a:xfrm>
+      </p:grpSpPr>
+      <p:sp>
+        <p:nvSpPr>
+          <p:cNvPr id="2" name="Slide Image Placeholder 1"/>
+          <p:cNvSpPr>
+            <a:spLocks noGrp="1" noRot="1" noChangeAspect="1"/>
+          </p:cNvSpPr>
+          <p:nvPr>
+            <p:ph type="sldImg"/>
+          </p:nvPr>
+        </p:nvSpPr>
+        <p:spPr/>
+      </p:sp>
+      <p:sp>
+        <p:nvSpPr>
+          <p:cNvPr id="3" name="Notes Placeholder 2"/>
+          <p:cNvSpPr>
+            <a:spLocks noGrp="1"/>
+          </p:cNvSpPr>
+          <p:nvPr>
+            <p:ph type="body" idx="1"/>
+          </p:nvPr>
+        </p:nvSpPr>
+        <p:spPr/>
+        <p:txBody>
+          <a:bodyPr/>
+          <a:lstStyle/>
+          <a:p>
+            <a:r>
+              <a:rPr lang="en-US" dirty="0"/>
+              <a:t>To address the timeliness factor, I looked at the number of food establishments that were inspected within the last year which was listed as a requirement in the data dictionary. I looked at the most recent inspection in the data set which was on June 29, 2018, so I defined the ‘past year’ as the time period between June 30, 2017 and June 29, 2018. I queried for the most recent inspection for each license number and found that 92% of food establishments had an inspection within the past year, which is pretty great.</a:t>
+            </a:r>
+          </a:p>
+          <a:p>
+            <a:endParaRPr lang="en-US" dirty="0"/>
+          </a:p>
+          <a:p>
+            <a:r>
+              <a:rPr lang="en-US" dirty="0"/>
+              <a:t>I noticed afterwards that in the data dictionary it says that re-inspections do not count towards the requirement and I should have filtered those out from the RESULT column.</a:t>
+            </a:r>
+          </a:p>
+        </p:txBody>
+      </p:sp>
+      <p:sp>
+        <p:nvSpPr>
+          <p:cNvPr id="4" name="Slide Number Placeholder 3"/>
+          <p:cNvSpPr>
+            <a:spLocks noGrp="1"/>
+          </p:cNvSpPr>
+          <p:nvPr>
+            <p:ph type="sldNum" sz="quarter" idx="5"/>
+          </p:nvPr>
+        </p:nvSpPr>
+        <p:spPr/>
+        <p:txBody>
+          <a:bodyPr/>
+          <a:lstStyle/>
+          <a:p>
+            <a:fld id="{2B67A524-1EB1-B647-B763-6BA33EAFC8C9}" type="slidenum">
+              <a:rPr lang="en-US" smtClean="0"/>
+              <a:t>5</a:t>
+            </a:fld>
+            <a:endParaRPr lang="en-US"/>
+          </a:p>
+        </p:txBody>
+      </p:sp>
+    </p:spTree>
+    <p:extLst>
+      <p:ext uri="{BB962C8B-B14F-4D97-AF65-F5344CB8AC3E}">
+        <p14:creationId xmlns:p14="http://schemas.microsoft.com/office/powerpoint/2010/main" val="3714134722"/>
+      </p:ext>
+    </p:extLst>
+  </p:cSld>
+  <p:clrMapOvr>
+    <a:masterClrMapping/>
+  </p:clrMapOvr>
+</p:notes>
+</file>
+
+<file path=ppt/notesSlides/notesSlide4.xml><?xml version="1.0" encoding="utf-8"?>
+<p:notes xmlns:a="http://schemas.openxmlformats.org/drawingml/2006/main" xmlns:r="http://schemas.openxmlformats.org/officeDocument/2006/relationships" xmlns:p="http://schemas.openxmlformats.org/presentationml/2006/main">
+  <p:cSld>
+    <p:spTree>
+      <p:nvGrpSpPr>
+        <p:cNvPr id="1" name=""/>
+        <p:cNvGrpSpPr/>
+        <p:nvPr/>
+      </p:nvGrpSpPr>
+      <p:grpSpPr>
+        <a:xfrm>
+          <a:off x="0" y="0"/>
+          <a:ext cx="0" cy="0"/>
+          <a:chOff x="0" y="0"/>
+          <a:chExt cx="0" cy="0"/>
+        </a:xfrm>
+      </p:grpSpPr>
+      <p:sp>
+        <p:nvSpPr>
+          <p:cNvPr id="2" name="Slide Image Placeholder 1"/>
+          <p:cNvSpPr>
+            <a:spLocks noGrp="1" noRot="1" noChangeAspect="1"/>
+          </p:cNvSpPr>
+          <p:nvPr>
+            <p:ph type="sldImg"/>
+          </p:nvPr>
+        </p:nvSpPr>
+        <p:spPr/>
+      </p:sp>
+      <p:sp>
+        <p:nvSpPr>
+          <p:cNvPr id="3" name="Notes Placeholder 2"/>
+          <p:cNvSpPr>
+            <a:spLocks noGrp="1"/>
+          </p:cNvSpPr>
+          <p:nvPr>
+            <p:ph type="body" idx="1"/>
+          </p:nvPr>
+        </p:nvSpPr>
+        <p:spPr/>
+        <p:txBody>
+          <a:bodyPr/>
+          <a:lstStyle/>
+          <a:p>
+            <a:r>
+              <a:rPr lang="en-US" dirty="0"/>
+              <a:t>To look at the accuracy of the data I compared the two data sets Grades and Violations. In Grades, each record holds a sum of the total violations from that inspection, and in Violations each violation and the level of severity is listed out for that particular inspection. So in theory, these two numbers should match up. However, I discovered that that is not the case, and the sum of violations from the Violations data is almost twice as high as that sum from the Grades data, so there is a discrepancy there in the recording of the data that needs to be looked at. Also in terms of percentages, only 65% of the records had matching values between the two data sets.</a:t>
+            </a:r>
+          </a:p>
+        </p:txBody>
+      </p:sp>
+      <p:sp>
+        <p:nvSpPr>
+          <p:cNvPr id="4" name="Slide Number Placeholder 3"/>
+          <p:cNvSpPr>
+            <a:spLocks noGrp="1"/>
+          </p:cNvSpPr>
+          <p:nvPr>
+            <p:ph type="sldNum" sz="quarter" idx="5"/>
+          </p:nvPr>
+        </p:nvSpPr>
+        <p:spPr/>
+        <p:txBody>
+          <a:bodyPr/>
+          <a:lstStyle/>
+          <a:p>
+            <a:fld id="{2B67A524-1EB1-B647-B763-6BA33EAFC8C9}" type="slidenum">
+              <a:rPr lang="en-US" smtClean="0"/>
+              <a:t>6</a:t>
+            </a:fld>
+            <a:endParaRPr lang="en-US"/>
+          </a:p>
+        </p:txBody>
+      </p:sp>
+    </p:spTree>
+    <p:extLst>
+      <p:ext uri="{BB962C8B-B14F-4D97-AF65-F5344CB8AC3E}">
+        <p14:creationId xmlns:p14="http://schemas.microsoft.com/office/powerpoint/2010/main" val="493897677"/>
+      </p:ext>
+    </p:extLst>
+  </p:cSld>
+  <p:clrMapOvr>
+    <a:masterClrMapping/>
+  </p:clrMapOvr>
+</p:notes>
+</file>
+
+<file path=ppt/notesSlides/notesSlide5.xml><?xml version="1.0" encoding="utf-8"?>
+<p:notes xmlns:a="http://schemas.openxmlformats.org/drawingml/2006/main" xmlns:r="http://schemas.openxmlformats.org/officeDocument/2006/relationships" xmlns:p="http://schemas.openxmlformats.org/presentationml/2006/main">
+  <p:cSld>
+    <p:spTree>
+      <p:nvGrpSpPr>
+        <p:cNvPr id="1" name=""/>
+        <p:cNvGrpSpPr/>
+        <p:nvPr/>
+      </p:nvGrpSpPr>
+      <p:grpSpPr>
+        <a:xfrm>
+          <a:off x="0" y="0"/>
+          <a:ext cx="0" cy="0"/>
+          <a:chOff x="0" y="0"/>
+          <a:chExt cx="0" cy="0"/>
+        </a:xfrm>
+      </p:grpSpPr>
+      <p:sp>
+        <p:nvSpPr>
+          <p:cNvPr id="2" name="Slide Image Placeholder 1"/>
+          <p:cNvSpPr>
+            <a:spLocks noGrp="1" noRot="1" noChangeAspect="1"/>
+          </p:cNvSpPr>
+          <p:nvPr>
+            <p:ph type="sldImg"/>
+          </p:nvPr>
+        </p:nvSpPr>
+        <p:spPr/>
+      </p:sp>
+      <p:sp>
+        <p:nvSpPr>
+          <p:cNvPr id="3" name="Notes Placeholder 2"/>
+          <p:cNvSpPr>
+            <a:spLocks noGrp="1"/>
+          </p:cNvSpPr>
+          <p:nvPr>
+            <p:ph type="body" idx="1"/>
+          </p:nvPr>
+        </p:nvSpPr>
+        <p:spPr/>
+        <p:txBody>
+          <a:bodyPr/>
+          <a:lstStyle/>
+          <a:p>
+            <a:r>
+              <a:rPr lang="en-US" dirty="0"/>
+              <a:t>For success I looked at how food establishments are performing in inspections, and how often violations are rectified, thereby achieving our goal of ensuring the health and safety of the food establishments in the City. 59% of inspections passed and 41% failed. However, only 44% of violations are rectified at re-inspection, so I think it’s worth looking into what we can do to help food establishments do what they need to do to make these changes.</a:t>
+            </a:r>
+          </a:p>
+        </p:txBody>
+      </p:sp>
+      <p:sp>
+        <p:nvSpPr>
+          <p:cNvPr id="4" name="Slide Number Placeholder 3"/>
+          <p:cNvSpPr>
+            <a:spLocks noGrp="1"/>
+          </p:cNvSpPr>
+          <p:nvPr>
+            <p:ph type="sldNum" sz="quarter" idx="5"/>
+          </p:nvPr>
+        </p:nvSpPr>
+        <p:spPr/>
+        <p:txBody>
+          <a:bodyPr/>
+          <a:lstStyle/>
+          <a:p>
+            <a:fld id="{2B67A524-1EB1-B647-B763-6BA33EAFC8C9}" type="slidenum">
+              <a:rPr lang="en-US" smtClean="0"/>
+              <a:t>7</a:t>
+            </a:fld>
+            <a:endParaRPr lang="en-US"/>
+          </a:p>
+        </p:txBody>
+      </p:sp>
+    </p:spTree>
+    <p:extLst>
+      <p:ext uri="{BB962C8B-B14F-4D97-AF65-F5344CB8AC3E}">
+        <p14:creationId xmlns:p14="http://schemas.microsoft.com/office/powerpoint/2010/main" val="3763476126"/>
+      </p:ext>
+    </p:extLst>
+  </p:cSld>
+  <p:clrMapOvr>
+    <a:masterClrMapping/>
+  </p:clrMapOvr>
+</p:notes>
+</file>
+
+<file path=ppt/notesSlides/notesSlide6.xml><?xml version="1.0" encoding="utf-8"?>
+<p:notes xmlns:a="http://schemas.openxmlformats.org/drawingml/2006/main" xmlns:r="http://schemas.openxmlformats.org/officeDocument/2006/relationships" xmlns:p="http://schemas.openxmlformats.org/presentationml/2006/main">
+  <p:cSld>
+    <p:spTree>
+      <p:nvGrpSpPr>
+        <p:cNvPr id="1" name=""/>
+        <p:cNvGrpSpPr/>
+        <p:nvPr/>
+      </p:nvGrpSpPr>
+      <p:grpSpPr>
+        <a:xfrm>
+          <a:off x="0" y="0"/>
+          <a:ext cx="0" cy="0"/>
+          <a:chOff x="0" y="0"/>
+          <a:chExt cx="0" cy="0"/>
+        </a:xfrm>
+      </p:grpSpPr>
+      <p:sp>
+        <p:nvSpPr>
+          <p:cNvPr id="2" name="Slide Image Placeholder 1"/>
+          <p:cNvSpPr>
+            <a:spLocks noGrp="1" noRot="1" noChangeAspect="1"/>
+          </p:cNvSpPr>
+          <p:nvPr>
+            <p:ph type="sldImg"/>
+          </p:nvPr>
+        </p:nvSpPr>
+        <p:spPr/>
+      </p:sp>
+      <p:sp>
+        <p:nvSpPr>
+          <p:cNvPr id="3" name="Notes Placeholder 2"/>
+          <p:cNvSpPr>
+            <a:spLocks noGrp="1"/>
+          </p:cNvSpPr>
+          <p:nvPr>
+            <p:ph type="body" idx="1"/>
+          </p:nvPr>
+        </p:nvSpPr>
+        <p:spPr/>
+        <p:txBody>
+          <a:bodyPr/>
+          <a:lstStyle/>
+          <a:p>
+            <a:r>
+              <a:rPr lang="en-US" dirty="0"/>
+              <a:t>To address the second part of the question, I tallied the total inspections per food establishment and grouped establishments into bins of 0-9, 10-19, etc. It is interesting to note that the vast majority of establishments received 10-19 inspections, and within that range far more establishments passed instead of failed. This is also true in the 0-9 inspections range. However past 20 inspections, the rate is about 50/50 whether they pass or fail.</a:t>
+            </a:r>
+          </a:p>
+          <a:p>
+            <a:endParaRPr lang="en-US" dirty="0"/>
+          </a:p>
+          <a:p>
+            <a:r>
+              <a:rPr lang="en-US" dirty="0"/>
+              <a:t>Did not account for time open – should have done per year.</a:t>
+            </a:r>
+          </a:p>
+        </p:txBody>
+      </p:sp>
+      <p:sp>
+        <p:nvSpPr>
+          <p:cNvPr id="4" name="Slide Number Placeholder 3"/>
+          <p:cNvSpPr>
+            <a:spLocks noGrp="1"/>
+          </p:cNvSpPr>
+          <p:nvPr>
+            <p:ph type="sldNum" sz="quarter" idx="5"/>
+          </p:nvPr>
+        </p:nvSpPr>
+        <p:spPr/>
+        <p:txBody>
+          <a:bodyPr/>
+          <a:lstStyle/>
+          <a:p>
+            <a:fld id="{2B67A524-1EB1-B647-B763-6BA33EAFC8C9}" type="slidenum">
+              <a:rPr lang="en-US" smtClean="0"/>
+              <a:t>8</a:t>
+            </a:fld>
+            <a:endParaRPr lang="en-US"/>
+          </a:p>
+        </p:txBody>
+      </p:sp>
+    </p:spTree>
+    <p:extLst>
+      <p:ext uri="{BB962C8B-B14F-4D97-AF65-F5344CB8AC3E}">
+        <p14:creationId xmlns:p14="http://schemas.microsoft.com/office/powerpoint/2010/main" val="1180855053"/>
+      </p:ext>
+    </p:extLst>
+  </p:cSld>
+  <p:clrMapOvr>
+    <a:masterClrMapping/>
+  </p:clrMapOvr>
+</p:notes>
+</file>
+
+<file path=ppt/notesSlides/notesSlide7.xml><?xml version="1.0" encoding="utf-8"?>
+<p:notes xmlns:a="http://schemas.openxmlformats.org/drawingml/2006/main" xmlns:r="http://schemas.openxmlformats.org/officeDocument/2006/relationships" xmlns:p="http://schemas.openxmlformats.org/presentationml/2006/main">
+  <p:cSld>
+    <p:spTree>
+      <p:nvGrpSpPr>
+        <p:cNvPr id="1" name=""/>
+        <p:cNvGrpSpPr/>
+        <p:nvPr/>
+      </p:nvGrpSpPr>
+      <p:grpSpPr>
+        <a:xfrm>
+          <a:off x="0" y="0"/>
+          <a:ext cx="0" cy="0"/>
+          <a:chOff x="0" y="0"/>
+          <a:chExt cx="0" cy="0"/>
+        </a:xfrm>
+      </p:grpSpPr>
+      <p:sp>
+        <p:nvSpPr>
+          <p:cNvPr id="2" name="Slide Image Placeholder 1"/>
+          <p:cNvSpPr>
+            <a:spLocks noGrp="1" noRot="1" noChangeAspect="1"/>
+          </p:cNvSpPr>
+          <p:nvPr>
+            <p:ph type="sldImg"/>
+          </p:nvPr>
+        </p:nvSpPr>
+        <p:spPr/>
+      </p:sp>
+      <p:sp>
+        <p:nvSpPr>
+          <p:cNvPr id="3" name="Notes Placeholder 2"/>
+          <p:cNvSpPr>
+            <a:spLocks noGrp="1"/>
+          </p:cNvSpPr>
+          <p:nvPr>
+            <p:ph type="body" idx="1"/>
+          </p:nvPr>
+        </p:nvSpPr>
+        <p:spPr/>
+        <p:txBody>
+          <a:bodyPr/>
+          <a:lstStyle/>
+          <a:p>
+            <a:pPr marL="0" marR="0" lvl="0" indent="0" algn="l" defTabSz="914400" rtl="0" eaLnBrk="1" fontAlgn="auto" latinLnBrk="0" hangingPunct="1">
+              <a:lnSpc>
+                <a:spcPct val="100000"/>
+              </a:lnSpc>
+              <a:spcBef>
+                <a:spcPts val="0"/>
+              </a:spcBef>
+              <a:spcAft>
+                <a:spcPts val="0"/>
+              </a:spcAft>
+              <a:buClrTx/>
+              <a:buSzTx/>
+              <a:buFontTx/>
+              <a:buNone/>
+              <a:tabLst/>
+              <a:defRPr/>
+            </a:pPr>
+            <a:r>
+              <a:rPr lang="en-US" dirty="0"/>
+              <a:t>And to address the last part of the question, in looking at trends over time, I decided to include one that I found interesting, which was the number of passed versus failed inspections by year. Over time, the ratio has remained fairly constant and more establishments pass than fail. However, there was an increase in successful inspections in 2017 while the number of failures actually decreased. It may be worth looking into any inspection practices specific to that year.</a:t>
+            </a:r>
+          </a:p>
+          <a:p>
+            <a:endParaRPr lang="en-US" dirty="0"/>
+          </a:p>
+        </p:txBody>
+      </p:sp>
+      <p:sp>
+        <p:nvSpPr>
+          <p:cNvPr id="4" name="Slide Number Placeholder 3"/>
+          <p:cNvSpPr>
+            <a:spLocks noGrp="1"/>
+          </p:cNvSpPr>
+          <p:nvPr>
+            <p:ph type="sldNum" sz="quarter" idx="5"/>
+          </p:nvPr>
+        </p:nvSpPr>
+        <p:spPr/>
+        <p:txBody>
+          <a:bodyPr/>
+          <a:lstStyle/>
+          <a:p>
+            <a:fld id="{2B67A524-1EB1-B647-B763-6BA33EAFC8C9}" type="slidenum">
+              <a:rPr lang="en-US" smtClean="0"/>
+              <a:t>9</a:t>
+            </a:fld>
+            <a:endParaRPr lang="en-US"/>
+          </a:p>
+        </p:txBody>
+      </p:sp>
+    </p:spTree>
+    <p:extLst>
+      <p:ext uri="{BB962C8B-B14F-4D97-AF65-F5344CB8AC3E}">
+        <p14:creationId xmlns:p14="http://schemas.microsoft.com/office/powerpoint/2010/main" val="4045230436"/>
+      </p:ext>
+    </p:extLst>
+  </p:cSld>
+  <p:clrMapOvr>
+    <a:masterClrMapping/>
+  </p:clrMapOvr>
+</p:notes>
+</file>
+
+<file path=ppt/notesSlides/notesSlide8.xml><?xml version="1.0" encoding="utf-8"?>
+<p:notes xmlns:a="http://schemas.openxmlformats.org/drawingml/2006/main" xmlns:r="http://schemas.openxmlformats.org/officeDocument/2006/relationships" xmlns:p="http://schemas.openxmlformats.org/presentationml/2006/main">
+  <p:cSld>
+    <p:spTree>
+      <p:nvGrpSpPr>
+        <p:cNvPr id="1" name=""/>
+        <p:cNvGrpSpPr/>
+        <p:nvPr/>
+      </p:nvGrpSpPr>
+      <p:grpSpPr>
+        <a:xfrm>
+          <a:off x="0" y="0"/>
+          <a:ext cx="0" cy="0"/>
+          <a:chOff x="0" y="0"/>
+          <a:chExt cx="0" cy="0"/>
+        </a:xfrm>
+      </p:grpSpPr>
+      <p:sp>
+        <p:nvSpPr>
+          <p:cNvPr id="2" name="Slide Image Placeholder 1"/>
+          <p:cNvSpPr>
+            <a:spLocks noGrp="1" noRot="1" noChangeAspect="1"/>
+          </p:cNvSpPr>
+          <p:nvPr>
+            <p:ph type="sldImg"/>
+          </p:nvPr>
+        </p:nvSpPr>
+        <p:spPr/>
+      </p:sp>
+      <p:sp>
+        <p:nvSpPr>
+          <p:cNvPr id="3" name="Notes Placeholder 2"/>
+          <p:cNvSpPr>
+            <a:spLocks noGrp="1"/>
+          </p:cNvSpPr>
+          <p:nvPr>
+            <p:ph type="body" idx="1"/>
+          </p:nvPr>
+        </p:nvSpPr>
+        <p:spPr/>
+        <p:txBody>
+          <a:bodyPr/>
+          <a:lstStyle/>
+          <a:p>
+            <a:r>
+              <a:rPr lang="en-US" dirty="0"/>
+              <a:t>And on my last slide here I just have a summary of all of the findings and suggestions that I described with each graph. As I said previously it looks like the city is doing a great job in completing timely inspections once per year, but there is definitely room for improvement in how we record the data to increase accuracy. I also think that the trends we observed for the ratio of passes and failures potentially gives us some interesting information that could inform best practices in the future.</a:t>
+            </a:r>
+          </a:p>
+          <a:p>
+            <a:endParaRPr lang="en-US" dirty="0"/>
+          </a:p>
+          <a:p>
+            <a:r>
+              <a:rPr lang="en-US" dirty="0"/>
+              <a:t>Thank you for your time and please let me know if you have </a:t>
+            </a:r>
+            <a:r>
+              <a:rPr lang="en-US"/>
+              <a:t>any questions.</a:t>
+            </a:r>
+            <a:endParaRPr lang="en-US" dirty="0"/>
+          </a:p>
+        </p:txBody>
+      </p:sp>
+      <p:sp>
+        <p:nvSpPr>
+          <p:cNvPr id="4" name="Slide Number Placeholder 3"/>
+          <p:cNvSpPr>
+            <a:spLocks noGrp="1"/>
+          </p:cNvSpPr>
+          <p:nvPr>
+            <p:ph type="sldNum" sz="quarter" idx="5"/>
+          </p:nvPr>
+        </p:nvSpPr>
+        <p:spPr/>
+        <p:txBody>
+          <a:bodyPr/>
+          <a:lstStyle/>
+          <a:p>
+            <a:fld id="{2B67A524-1EB1-B647-B763-6BA33EAFC8C9}" type="slidenum">
+              <a:rPr lang="en-US" smtClean="0"/>
+              <a:t>10</a:t>
+            </a:fld>
+            <a:endParaRPr lang="en-US"/>
+          </a:p>
+        </p:txBody>
+      </p:sp>
+    </p:spTree>
+    <p:extLst>
+      <p:ext uri="{BB962C8B-B14F-4D97-AF65-F5344CB8AC3E}">
+        <p14:creationId xmlns:p14="http://schemas.microsoft.com/office/powerpoint/2010/main" val="870350537"/>
+      </p:ext>
+    </p:extLst>
+  </p:cSld>
+  <p:clrMapOvr>
+    <a:masterClrMapping/>
+  </p:clrMapOvr>
+</p:notes>
+</file>
+
 <file path=ppt/slideLayouts/slideLayout1.xml><?xml version="1.0" encoding="utf-8"?>
 <p:sldLayout xmlns:a="http://schemas.openxmlformats.org/drawingml/2006/main" xmlns:r="http://schemas.openxmlformats.org/officeDocument/2006/relationships" xmlns:p="http://schemas.openxmlformats.org/presentationml/2006/main" showMasterSp="0" type="title" preserve="1">
   <p:cSld name="Title Slide">
@@ -15391,7 +16490,7 @@
         </p:xfrm>
         <a:graphic>
           <a:graphicData uri="http://schemas.openxmlformats.org/drawingml/2006/diagram">
-            <dgm:relIds xmlns:dgm="http://schemas.openxmlformats.org/drawingml/2006/diagram" xmlns:r="http://schemas.openxmlformats.org/officeDocument/2006/relationships" r:dm="rId2" r:lo="rId3" r:qs="rId4" r:cs="rId5"/>
+            <dgm:relIds xmlns:dgm="http://schemas.openxmlformats.org/drawingml/2006/diagram" xmlns:r="http://schemas.openxmlformats.org/officeDocument/2006/relationships" r:dm="rId3" r:lo="rId4" r:qs="rId5" r:cs="rId6"/>
           </a:graphicData>
         </a:graphic>
       </p:graphicFrame>
@@ -15554,13 +16653,13 @@
             <a:avLst/>
           </a:prstGeom>
           <a:blipFill>
-            <a:blip r:embed="rId2">
+            <a:blip r:embed="rId3">
               <a:extLst>
                 <a:ext uri="{28A0092B-C50C-407E-A947-70E740481C1C}">
                   <a14:useLocalDpi xmlns:a14="http://schemas.microsoft.com/office/drawing/2010/main" val="0"/>
                 </a:ext>
                 <a:ext uri="{96DAC541-7B7A-43D3-8B79-37D633B846F1}">
-                  <asvg:svgBlip xmlns:asvg="http://schemas.microsoft.com/office/drawing/2016/SVG/main" r:embed="rId3"/>
+                  <asvg:svgBlip xmlns:asvg="http://schemas.microsoft.com/office/drawing/2016/SVG/main" r:embed="rId4"/>
                 </a:ext>
               </a:extLst>
             </a:blip>
@@ -15649,7 +16748,7 @@
         </p:xfrm>
         <a:graphic>
           <a:graphicData uri="http://schemas.openxmlformats.org/drawingml/2006/chart">
-            <c:chart xmlns:c="http://schemas.openxmlformats.org/drawingml/2006/chart" xmlns:r="http://schemas.openxmlformats.org/officeDocument/2006/relationships" r:id="rId2"/>
+            <c:chart xmlns:c="http://schemas.openxmlformats.org/drawingml/2006/chart" xmlns:r="http://schemas.openxmlformats.org/officeDocument/2006/relationships" r:id="rId3"/>
           </a:graphicData>
         </a:graphic>
       </p:graphicFrame>
@@ -15810,13 +16909,13 @@
             <a:avLst/>
           </a:prstGeom>
           <a:blipFill>
-            <a:blip r:embed="rId3">
+            <a:blip r:embed="rId4">
               <a:extLst>
                 <a:ext uri="{28A0092B-C50C-407E-A947-70E740481C1C}">
                   <a14:useLocalDpi xmlns:a14="http://schemas.microsoft.com/office/drawing/2010/main" val="0"/>
                 </a:ext>
                 <a:ext uri="{96DAC541-7B7A-43D3-8B79-37D633B846F1}">
-                  <asvg:svgBlip xmlns:asvg="http://schemas.microsoft.com/office/drawing/2016/SVG/main" r:embed="rId4"/>
+                  <asvg:svgBlip xmlns:asvg="http://schemas.microsoft.com/office/drawing/2016/SVG/main" r:embed="rId5"/>
                 </a:ext>
               </a:extLst>
             </a:blip>
@@ -16208,13 +17307,13 @@
             <a:avLst/>
           </a:prstGeom>
           <a:blipFill>
-            <a:blip r:embed="rId2">
+            <a:blip r:embed="rId3">
               <a:extLst>
                 <a:ext uri="{28A0092B-C50C-407E-A947-70E740481C1C}">
                   <a14:useLocalDpi xmlns:a14="http://schemas.microsoft.com/office/drawing/2010/main" val="0"/>
                 </a:ext>
                 <a:ext uri="{96DAC541-7B7A-43D3-8B79-37D633B846F1}">
-                  <asvg:svgBlip xmlns:asvg="http://schemas.microsoft.com/office/drawing/2016/SVG/main" r:embed="rId3"/>
+                  <asvg:svgBlip xmlns:asvg="http://schemas.microsoft.com/office/drawing/2016/SVG/main" r:embed="rId4"/>
                 </a:ext>
               </a:extLst>
             </a:blip>
@@ -16554,7 +17653,7 @@
         </p:xfrm>
         <a:graphic>
           <a:graphicData uri="http://schemas.openxmlformats.org/drawingml/2006/chart">
-            <c:chart xmlns:c="http://schemas.openxmlformats.org/drawingml/2006/chart" xmlns:r="http://schemas.openxmlformats.org/officeDocument/2006/relationships" r:id="rId4"/>
+            <c:chart xmlns:c="http://schemas.openxmlformats.org/drawingml/2006/chart" xmlns:r="http://schemas.openxmlformats.org/officeDocument/2006/relationships" r:id="rId5"/>
           </a:graphicData>
         </a:graphic>
       </p:graphicFrame>
@@ -16585,7 +17684,7 @@
         </p:xfrm>
         <a:graphic>
           <a:graphicData uri="http://schemas.openxmlformats.org/drawingml/2006/chart">
-            <c:chart xmlns:c="http://schemas.openxmlformats.org/drawingml/2006/chart" xmlns:r="http://schemas.openxmlformats.org/officeDocument/2006/relationships" r:id="rId5"/>
+            <c:chart xmlns:c="http://schemas.openxmlformats.org/drawingml/2006/chart" xmlns:r="http://schemas.openxmlformats.org/officeDocument/2006/relationships" r:id="rId6"/>
           </a:graphicData>
         </a:graphic>
       </p:graphicFrame>
@@ -16668,13 +17767,13 @@
             <a:avLst/>
           </a:prstGeom>
           <a:blipFill>
-            <a:blip r:embed="rId2">
+            <a:blip r:embed="rId3">
               <a:extLst>
                 <a:ext uri="{28A0092B-C50C-407E-A947-70E740481C1C}">
                   <a14:useLocalDpi xmlns:a14="http://schemas.microsoft.com/office/drawing/2010/main" val="0"/>
                 </a:ext>
                 <a:ext uri="{96DAC541-7B7A-43D3-8B79-37D633B846F1}">
-                  <asvg:svgBlip xmlns:asvg="http://schemas.microsoft.com/office/drawing/2016/SVG/main" r:embed="rId3"/>
+                  <asvg:svgBlip xmlns:asvg="http://schemas.microsoft.com/office/drawing/2016/SVG/main" r:embed="rId4"/>
                 </a:ext>
               </a:extLst>
             </a:blip>
@@ -17013,7 +18112,7 @@
         </p:xfrm>
         <a:graphic>
           <a:graphicData uri="http://schemas.openxmlformats.org/drawingml/2006/chart">
-            <c:chart xmlns:c="http://schemas.openxmlformats.org/drawingml/2006/chart" xmlns:r="http://schemas.openxmlformats.org/officeDocument/2006/relationships" r:id="rId4"/>
+            <c:chart xmlns:c="http://schemas.openxmlformats.org/drawingml/2006/chart" xmlns:r="http://schemas.openxmlformats.org/officeDocument/2006/relationships" r:id="rId5"/>
           </a:graphicData>
         </a:graphic>
       </p:graphicFrame>
@@ -17043,7 +18142,7 @@
         </p:xfrm>
         <a:graphic>
           <a:graphicData uri="http://schemas.openxmlformats.org/drawingml/2006/chart">
-            <c:chart xmlns:c="http://schemas.openxmlformats.org/drawingml/2006/chart" xmlns:r="http://schemas.openxmlformats.org/officeDocument/2006/relationships" r:id="rId5"/>
+            <c:chart xmlns:c="http://schemas.openxmlformats.org/drawingml/2006/chart" xmlns:r="http://schemas.openxmlformats.org/officeDocument/2006/relationships" r:id="rId6"/>
           </a:graphicData>
         </a:graphic>
       </p:graphicFrame>
@@ -17140,13 +18239,13 @@
             <a:avLst/>
           </a:prstGeom>
           <a:blipFill>
-            <a:blip r:embed="rId2">
+            <a:blip r:embed="rId3">
               <a:extLst>
                 <a:ext uri="{28A0092B-C50C-407E-A947-70E740481C1C}">
                   <a14:useLocalDpi xmlns:a14="http://schemas.microsoft.com/office/drawing/2010/main" val="0"/>
                 </a:ext>
                 <a:ext uri="{96DAC541-7B7A-43D3-8B79-37D633B846F1}">
-                  <asvg:svgBlip xmlns:asvg="http://schemas.microsoft.com/office/drawing/2016/SVG/main" r:embed="rId3"/>
+                  <asvg:svgBlip xmlns:asvg="http://schemas.microsoft.com/office/drawing/2016/SVG/main" r:embed="rId4"/>
                 </a:ext>
               </a:extLst>
             </a:blip>
@@ -17194,7 +18293,7 @@
           <p:nvPr>
             <p:extLst>
               <p:ext uri="{D42A27DB-BD31-4B8C-83A1-F6EECF244321}">
-                <p14:modId xmlns:p14="http://schemas.microsoft.com/office/powerpoint/2010/main" val="2242393108"/>
+                <p14:modId xmlns:p14="http://schemas.microsoft.com/office/powerpoint/2010/main" val="2234268108"/>
               </p:ext>
             </p:extLst>
           </p:nvPr>
@@ -17205,7 +18304,7 @@
         </p:xfrm>
         <a:graphic>
           <a:graphicData uri="http://schemas.openxmlformats.org/drawingml/2006/chart">
-            <c:chart xmlns:c="http://schemas.openxmlformats.org/drawingml/2006/chart" xmlns:r="http://schemas.openxmlformats.org/officeDocument/2006/relationships" r:id="rId4"/>
+            <c:chart xmlns:c="http://schemas.openxmlformats.org/drawingml/2006/chart" xmlns:r="http://schemas.openxmlformats.org/officeDocument/2006/relationships" r:id="rId5"/>
           </a:graphicData>
         </a:graphic>
       </p:graphicFrame>
@@ -17293,13 +18392,13 @@
             <a:avLst/>
           </a:prstGeom>
           <a:blipFill>
-            <a:blip r:embed="rId2">
+            <a:blip r:embed="rId3">
               <a:extLst>
                 <a:ext uri="{28A0092B-C50C-407E-A947-70E740481C1C}">
                   <a14:useLocalDpi xmlns:a14="http://schemas.microsoft.com/office/drawing/2010/main" val="0"/>
                 </a:ext>
                 <a:ext uri="{96DAC541-7B7A-43D3-8B79-37D633B846F1}">
-                  <asvg:svgBlip xmlns:asvg="http://schemas.microsoft.com/office/drawing/2016/SVG/main" r:embed="rId3"/>
+                  <asvg:svgBlip xmlns:asvg="http://schemas.microsoft.com/office/drawing/2016/SVG/main" r:embed="rId4"/>
                 </a:ext>
               </a:extLst>
             </a:blip>
@@ -17334,7 +18433,7 @@
       </p:sp>
       <p:graphicFrame>
         <p:nvGraphicFramePr>
-          <p:cNvPr id="7" name="Chart 6">
+          <p:cNvPr id="5" name="Chart 4">
             <a:extLst>
               <a:ext uri="{FF2B5EF4-FFF2-40B4-BE49-F238E27FC236}">
                 <a16:creationId xmlns:a16="http://schemas.microsoft.com/office/drawing/2014/main" id="{5A21942B-B1F3-8145-9FF9-F51AD3C2FAC3}"/>
@@ -17347,18 +18446,18 @@
           <p:nvPr>
             <p:extLst>
               <p:ext uri="{D42A27DB-BD31-4B8C-83A1-F6EECF244321}">
-                <p14:modId xmlns:p14="http://schemas.microsoft.com/office/powerpoint/2010/main" val="1699531197"/>
+                <p14:modId xmlns:p14="http://schemas.microsoft.com/office/powerpoint/2010/main" val="258911636"/>
               </p:ext>
             </p:extLst>
           </p:nvPr>
         </p:nvGraphicFramePr>
         <p:xfrm>
-          <a:off x="3734647" y="995172"/>
-          <a:ext cx="7374468" cy="5120640"/>
+          <a:off x="3962400" y="864108"/>
+          <a:ext cx="7321296" cy="5244084"/>
         </p:xfrm>
         <a:graphic>
           <a:graphicData uri="http://schemas.openxmlformats.org/drawingml/2006/chart">
-            <c:chart xmlns:c="http://schemas.openxmlformats.org/drawingml/2006/chart" xmlns:r="http://schemas.openxmlformats.org/officeDocument/2006/relationships" r:id="rId4"/>
+            <c:chart xmlns:c="http://schemas.openxmlformats.org/drawingml/2006/chart" xmlns:r="http://schemas.openxmlformats.org/officeDocument/2006/relationships" r:id="rId5"/>
           </a:graphicData>
         </a:graphic>
       </p:graphicFrame>
@@ -17604,4 +18703,299 @@
     </a:ext>
   </a:extLst>
 </a:theme>
+</file>
+
+<file path=ppt/theme/theme2.xml><?xml version="1.0" encoding="utf-8"?>
+<a:theme xmlns:a="http://schemas.openxmlformats.org/drawingml/2006/main" name="Office Theme">
+  <a:themeElements>
+    <a:clrScheme name="Office">
+      <a:dk1>
+        <a:sysClr val="windowText" lastClr="000000"/>
+      </a:dk1>
+      <a:lt1>
+        <a:sysClr val="window" lastClr="FFFFFF"/>
+      </a:lt1>
+      <a:dk2>
+        <a:srgbClr val="44546A"/>
+      </a:dk2>
+      <a:lt2>
+        <a:srgbClr val="E7E6E6"/>
+      </a:lt2>
+      <a:accent1>
+        <a:srgbClr val="4472C4"/>
+      </a:accent1>
+      <a:accent2>
+        <a:srgbClr val="ED7D31"/>
+      </a:accent2>
+      <a:accent3>
+        <a:srgbClr val="A5A5A5"/>
+      </a:accent3>
+      <a:accent4>
+        <a:srgbClr val="FFC000"/>
+      </a:accent4>
+      <a:accent5>
+        <a:srgbClr val="5B9BD5"/>
+      </a:accent5>
+      <a:accent6>
+        <a:srgbClr val="70AD47"/>
+      </a:accent6>
+      <a:hlink>
+        <a:srgbClr val="0563C1"/>
+      </a:hlink>
+      <a:folHlink>
+        <a:srgbClr val="954F72"/>
+      </a:folHlink>
+    </a:clrScheme>
+    <a:fontScheme name="Office">
+      <a:majorFont>
+        <a:latin typeface="Calibri Light" panose="020F0302020204030204"/>
+        <a:ea typeface=""/>
+        <a:cs typeface=""/>
+        <a:font script="Jpan" typeface="游ゴシック Light"/>
+        <a:font script="Hang" typeface="맑은 고딕"/>
+        <a:font script="Hans" typeface="等线 Light"/>
+        <a:font script="Hant" typeface="新細明體"/>
+        <a:font script="Arab" typeface="Times New Roman"/>
+        <a:font script="Hebr" typeface="Times New Roman"/>
+        <a:font script="Thai" typeface="Angsana New"/>
+        <a:font script="Ethi" typeface="Nyala"/>
+        <a:font script="Beng" typeface="Vrinda"/>
+        <a:font script="Gujr" typeface="Shruti"/>
+        <a:font script="Khmr" typeface="MoolBoran"/>
+        <a:font script="Knda" typeface="Tunga"/>
+        <a:font script="Guru" typeface="Raavi"/>
+        <a:font script="Cans" typeface="Euphemia"/>
+        <a:font script="Cher" typeface="Plantagenet Cherokee"/>
+        <a:font script="Yiii" typeface="Microsoft Yi Baiti"/>
+        <a:font script="Tibt" typeface="Microsoft Himalaya"/>
+        <a:font script="Thaa" typeface="MV Boli"/>
+        <a:font script="Deva" typeface="Mangal"/>
+        <a:font script="Telu" typeface="Gautami"/>
+        <a:font script="Taml" typeface="Latha"/>
+        <a:font script="Syrc" typeface="Estrangelo Edessa"/>
+        <a:font script="Orya" typeface="Kalinga"/>
+        <a:font script="Mlym" typeface="Kartika"/>
+        <a:font script="Laoo" typeface="DokChampa"/>
+        <a:font script="Sinh" typeface="Iskoola Pota"/>
+        <a:font script="Mong" typeface="Mongolian Baiti"/>
+        <a:font script="Viet" typeface="Times New Roman"/>
+        <a:font script="Uigh" typeface="Microsoft Uighur"/>
+        <a:font script="Geor" typeface="Sylfaen"/>
+        <a:font script="Armn" typeface="Arial"/>
+        <a:font script="Bugi" typeface="Leelawadee UI"/>
+        <a:font script="Bopo" typeface="Microsoft JhengHei"/>
+        <a:font script="Java" typeface="Javanese Text"/>
+        <a:font script="Lisu" typeface="Segoe UI"/>
+        <a:font script="Mymr" typeface="Myanmar Text"/>
+        <a:font script="Nkoo" typeface="Ebrima"/>
+        <a:font script="Olck" typeface="Nirmala UI"/>
+        <a:font script="Osma" typeface="Ebrima"/>
+        <a:font script="Phag" typeface="Phagspa"/>
+        <a:font script="Syrn" typeface="Estrangelo Edessa"/>
+        <a:font script="Syrj" typeface="Estrangelo Edessa"/>
+        <a:font script="Syre" typeface="Estrangelo Edessa"/>
+        <a:font script="Sora" typeface="Nirmala UI"/>
+        <a:font script="Tale" typeface="Microsoft Tai Le"/>
+        <a:font script="Talu" typeface="Microsoft New Tai Lue"/>
+        <a:font script="Tfng" typeface="Ebrima"/>
+      </a:majorFont>
+      <a:minorFont>
+        <a:latin typeface="Calibri" panose="020F0502020204030204"/>
+        <a:ea typeface=""/>
+        <a:cs typeface=""/>
+        <a:font script="Jpan" typeface="游ゴシック"/>
+        <a:font script="Hang" typeface="맑은 고딕"/>
+        <a:font script="Hans" typeface="等线"/>
+        <a:font script="Hant" typeface="新細明體"/>
+        <a:font script="Arab" typeface="Arial"/>
+        <a:font script="Hebr" typeface="Arial"/>
+        <a:font script="Thai" typeface="Cordia New"/>
+        <a:font script="Ethi" typeface="Nyala"/>
+        <a:font script="Beng" typeface="Vrinda"/>
+        <a:font script="Gujr" typeface="Shruti"/>
+        <a:font script="Khmr" typeface="DaunPenh"/>
+        <a:font script="Knda" typeface="Tunga"/>
+        <a:font script="Guru" typeface="Raavi"/>
+        <a:font script="Cans" typeface="Euphemia"/>
+        <a:font script="Cher" typeface="Plantagenet Cherokee"/>
+        <a:font script="Yiii" typeface="Microsoft Yi Baiti"/>
+        <a:font script="Tibt" typeface="Microsoft Himalaya"/>
+        <a:font script="Thaa" typeface="MV Boli"/>
+        <a:font script="Deva" typeface="Mangal"/>
+        <a:font script="Telu" typeface="Gautami"/>
+        <a:font script="Taml" typeface="Latha"/>
+        <a:font script="Syrc" typeface="Estrangelo Edessa"/>
+        <a:font script="Orya" typeface="Kalinga"/>
+        <a:font script="Mlym" typeface="Kartika"/>
+        <a:font script="Laoo" typeface="DokChampa"/>
+        <a:font script="Sinh" typeface="Iskoola Pota"/>
+        <a:font script="Mong" typeface="Mongolian Baiti"/>
+        <a:font script="Viet" typeface="Arial"/>
+        <a:font script="Uigh" typeface="Microsoft Uighur"/>
+        <a:font script="Geor" typeface="Sylfaen"/>
+        <a:font script="Armn" typeface="Arial"/>
+        <a:font script="Bugi" typeface="Leelawadee UI"/>
+        <a:font script="Bopo" typeface="Microsoft JhengHei"/>
+        <a:font script="Java" typeface="Javanese Text"/>
+        <a:font script="Lisu" typeface="Segoe UI"/>
+        <a:font script="Mymr" typeface="Myanmar Text"/>
+        <a:font script="Nkoo" typeface="Ebrima"/>
+        <a:font script="Olck" typeface="Nirmala UI"/>
+        <a:font script="Osma" typeface="Ebrima"/>
+        <a:font script="Phag" typeface="Phagspa"/>
+        <a:font script="Syrn" typeface="Estrangelo Edessa"/>
+        <a:font script="Syrj" typeface="Estrangelo Edessa"/>
+        <a:font script="Syre" typeface="Estrangelo Edessa"/>
+        <a:font script="Sora" typeface="Nirmala UI"/>
+        <a:font script="Tale" typeface="Microsoft Tai Le"/>
+        <a:font script="Talu" typeface="Microsoft New Tai Lue"/>
+        <a:font script="Tfng" typeface="Ebrima"/>
+      </a:minorFont>
+    </a:fontScheme>
+    <a:fmtScheme name="Office">
+      <a:fillStyleLst>
+        <a:solidFill>
+          <a:schemeClr val="phClr"/>
+        </a:solidFill>
+        <a:gradFill rotWithShape="1">
+          <a:gsLst>
+            <a:gs pos="0">
+              <a:schemeClr val="phClr">
+                <a:lumMod val="110000"/>
+                <a:satMod val="105000"/>
+                <a:tint val="67000"/>
+              </a:schemeClr>
+            </a:gs>
+            <a:gs pos="50000">
+              <a:schemeClr val="phClr">
+                <a:lumMod val="105000"/>
+                <a:satMod val="103000"/>
+                <a:tint val="73000"/>
+              </a:schemeClr>
+            </a:gs>
+            <a:gs pos="100000">
+              <a:schemeClr val="phClr">
+                <a:lumMod val="105000"/>
+                <a:satMod val="109000"/>
+                <a:tint val="81000"/>
+              </a:schemeClr>
+            </a:gs>
+          </a:gsLst>
+          <a:lin ang="5400000" scaled="0"/>
+        </a:gradFill>
+        <a:gradFill rotWithShape="1">
+          <a:gsLst>
+            <a:gs pos="0">
+              <a:schemeClr val="phClr">
+                <a:satMod val="103000"/>
+                <a:lumMod val="102000"/>
+                <a:tint val="94000"/>
+              </a:schemeClr>
+            </a:gs>
+            <a:gs pos="50000">
+              <a:schemeClr val="phClr">
+                <a:satMod val="110000"/>
+                <a:lumMod val="100000"/>
+                <a:shade val="100000"/>
+              </a:schemeClr>
+            </a:gs>
+            <a:gs pos="100000">
+              <a:schemeClr val="phClr">
+                <a:lumMod val="99000"/>
+                <a:satMod val="120000"/>
+                <a:shade val="78000"/>
+              </a:schemeClr>
+            </a:gs>
+          </a:gsLst>
+          <a:lin ang="5400000" scaled="0"/>
+        </a:gradFill>
+      </a:fillStyleLst>
+      <a:lnStyleLst>
+        <a:ln w="6350" cap="flat" cmpd="sng" algn="ctr">
+          <a:solidFill>
+            <a:schemeClr val="phClr"/>
+          </a:solidFill>
+          <a:prstDash val="solid"/>
+          <a:miter lim="800000"/>
+        </a:ln>
+        <a:ln w="12700" cap="flat" cmpd="sng" algn="ctr">
+          <a:solidFill>
+            <a:schemeClr val="phClr"/>
+          </a:solidFill>
+          <a:prstDash val="solid"/>
+          <a:miter lim="800000"/>
+        </a:ln>
+        <a:ln w="19050" cap="flat" cmpd="sng" algn="ctr">
+          <a:solidFill>
+            <a:schemeClr val="phClr"/>
+          </a:solidFill>
+          <a:prstDash val="solid"/>
+          <a:miter lim="800000"/>
+        </a:ln>
+      </a:lnStyleLst>
+      <a:effectStyleLst>
+        <a:effectStyle>
+          <a:effectLst/>
+        </a:effectStyle>
+        <a:effectStyle>
+          <a:effectLst/>
+        </a:effectStyle>
+        <a:effectStyle>
+          <a:effectLst>
+            <a:outerShdw blurRad="57150" dist="19050" dir="5400000" algn="ctr" rotWithShape="0">
+              <a:srgbClr val="000000">
+                <a:alpha val="63000"/>
+              </a:srgbClr>
+            </a:outerShdw>
+          </a:effectLst>
+        </a:effectStyle>
+      </a:effectStyleLst>
+      <a:bgFillStyleLst>
+        <a:solidFill>
+          <a:schemeClr val="phClr"/>
+        </a:solidFill>
+        <a:solidFill>
+          <a:schemeClr val="phClr">
+            <a:tint val="95000"/>
+            <a:satMod val="170000"/>
+          </a:schemeClr>
+        </a:solidFill>
+        <a:gradFill rotWithShape="1">
+          <a:gsLst>
+            <a:gs pos="0">
+              <a:schemeClr val="phClr">
+                <a:tint val="93000"/>
+                <a:satMod val="150000"/>
+                <a:shade val="98000"/>
+                <a:lumMod val="102000"/>
+              </a:schemeClr>
+            </a:gs>
+            <a:gs pos="50000">
+              <a:schemeClr val="phClr">
+                <a:tint val="98000"/>
+                <a:satMod val="130000"/>
+                <a:shade val="90000"/>
+                <a:lumMod val="103000"/>
+              </a:schemeClr>
+            </a:gs>
+            <a:gs pos="100000">
+              <a:schemeClr val="phClr">
+                <a:shade val="63000"/>
+                <a:satMod val="120000"/>
+              </a:schemeClr>
+            </a:gs>
+          </a:gsLst>
+          <a:lin ang="5400000" scaled="0"/>
+        </a:gradFill>
+      </a:bgFillStyleLst>
+    </a:fmtScheme>
+  </a:themeElements>
+  <a:objectDefaults/>
+  <a:extraClrSchemeLst/>
+  <a:extLst>
+    <a:ext uri="{05A4C25C-085E-4340-85A3-A5531E510DB2}">
+      <thm15:themeFamily xmlns:thm15="http://schemas.microsoft.com/office/thememl/2012/main" name="Office Theme" id="{62F939B6-93AF-4DB8-9C6B-D6C7DFDC589F}" vid="{4A3C46E8-61CC-4603-A589-7422A47A8E4A}"/>
+    </a:ext>
+  </a:extLst>
+</a:theme>
 </file>